--- a/output/test.pptx
+++ b/output/test.pptx
@@ -6,7 +6,7 @@
   </p:sldMasterIdLst>
   <p:sldIdLst>
     <p:sldId id="257" r:id="rId2"/>
-    <p:sldId id="51939" r:id="rId51939"/>
+    <p:sldId id="38641" r:id="rId38641"/>
   </p:sldIdLst>
   <p:sldSz cx="9144000" cy="6858000" type="screen4x3"/>
   <p:notesSz cx="6858000" cy="9144000"/>
@@ -1073,6 +1073,214 @@
           <a:lstStyle>
             <a:lvl1pPr>
               <a:defRPr/>
+            </a:lvl1pPr>
+          </a:lstStyle>
+          <a:p>
+            <a:fld id="{E6FB1B62-A5F7-43C1-BF55-5D6EB0E052F4}" type="slidenum">
+              <a:rPr lang="en-US" smtClean="0"/>
+              <a:t>‹#›</a:t>
+            </a:fld>
+            <a:endParaRPr lang="en-US"/>
+          </a:p>
+        </p:txBody>
+      </p:sp>
+    </p:spTree>
+  </p:cSld>
+  <p:clrMapOvr>
+    <a:masterClrMapping/>
+  </p:clrMapOvr>
+</p:sldLayout>
+</file>
+
+<file path=ppt/slideLayouts/slideLayout38641.xml><?xml version="1.0" encoding="utf-8"?>
+<p:sldLayout xmlns:a="http://schemas.openxmlformats.org/drawingml/2006/main" xmlns:r="http://schemas.openxmlformats.org/officeDocument/2006/relationships" xmlns:p="http://schemas.openxmlformats.org/presentationml/2006/main" type="title" preserve="1">
+  <p:cSld name="Title Slide">
+    <p:bg>
+      <p:bgPr>
+        <a:blipFill dpi="0" rotWithShape="0">
+          <a:blip r:embed="rId2"/>
+          <a:srcRect/>
+          <a:stretch>
+            <a:fillRect/>
+          </a:stretch>
+        </a:blipFill>
+        <a:effectLst/>
+      </p:bgPr>
+    </p:bg>
+    <p:spTree>
+      <p:nvGrpSpPr>
+        <p:cNvPr id="1" name=""/>
+        <p:cNvGrpSpPr/>
+        <p:nvPr/>
+      </p:nvGrpSpPr>
+      <p:grpSpPr>
+        <a:xfrm>
+          <a:off x="0" y="0"/>
+          <a:ext cx="0" cy="0"/>
+          <a:chOff x="0" y="0"/>
+          <a:chExt cx="0" cy="0"/>
+        </a:xfrm>
+      </p:grpSpPr>
+      <p:sp>
+        <p:nvSpPr>
+          <p:cNvPr id="368642" name="Rectangle 2"/>
+          <p:cNvSpPr>
+            <a:spLocks noGrp="1" noChangeArrowheads="1"/>
+          </p:cNvSpPr>
+          <p:nvPr>
+            <p:ph type="ctrTitle"/>
+          </p:nvPr>
+        </p:nvSpPr>
+        <p:spPr>
+          <a:xfrm>
+            <a:off x="152400" y="5194300"/>
+            <a:ext cx="7467600" cy="914400"/>
+          </a:xfrm>
+        </p:spPr>
+        <p:txBody>
+          <a:bodyPr anchor="b"/>
+          <a:lstStyle>
+            <a:lvl1pPr algn="l">
+              <a:defRPr/>
+            </a:lvl1pPr>
+          </a:lstStyle>
+          <a:p>
+            <a:r>
+              <a:rPr lang="en-US"/>
+              <a:t>Click to edit Master title style</a:t>
+            </a:r>
+          </a:p>
+        </p:txBody>
+      </p:sp>
+      <p:sp>
+        <p:nvSpPr>
+          <p:cNvPr id="368643" name="Rectangle 3"/>
+          <p:cNvSpPr>
+            <a:spLocks noGrp="1" noChangeArrowheads="1"/>
+          </p:cNvSpPr>
+          <p:nvPr>
+            <p:ph type="subTitle" idx="1"/>
+          </p:nvPr>
+        </p:nvSpPr>
+        <p:spPr>
+          <a:xfrm>
+            <a:off x="152400" y="6032500"/>
+            <a:ext cx="6400800" cy="749300"/>
+          </a:xfrm>
+        </p:spPr>
+        <p:txBody>
+          <a:bodyPr/>
+          <a:lstStyle>
+            <a:lvl1pPr marL="0" indent="0">
+              <a:buFont typeface="Wingdings" pitchFamily="2" charset="2"/>
+              <a:buNone/>
+              <a:defRPr/>
+            </a:lvl1pPr>
+          </a:lstStyle>
+          <a:p>
+            <a:r>
+              <a:rPr lang="en-US"/>
+              <a:t>Click to edit Master subtitle style</a:t>
+            </a:r>
+          </a:p>
+        </p:txBody>
+      </p:sp>
+      <p:sp>
+        <p:nvSpPr>
+          <p:cNvPr id="4" name="Rectangle 4"/>
+          <p:cNvSpPr>
+            <a:spLocks noGrp="1" noChangeArrowheads="1"/>
+          </p:cNvSpPr>
+          <p:nvPr>
+            <p:ph type="dt" sz="quarter" idx="10"/>
+          </p:nvPr>
+        </p:nvSpPr>
+        <p:spPr>
+          <a:xfrm>
+            <a:off x="457200" y="6245225"/>
+            <a:ext cx="2133600" cy="476250"/>
+          </a:xfrm>
+        </p:spPr>
+        <p:txBody>
+          <a:bodyPr/>
+          <a:lstStyle>
+            <a:lvl1pPr>
+              <a:spcBef>
+                <a:spcPct val="0"/>
+              </a:spcBef>
+              <a:defRPr smtClean="0">
+                <a:latin typeface="Times New Roman" pitchFamily="18" charset="0"/>
+              </a:defRPr>
+            </a:lvl1pPr>
+          </a:lstStyle>
+          <a:p>
+            <a:fld id="{F73F0BFC-2C88-4AAF-B42F-33B416312C7A}" type="datetimeFigureOut">
+              <a:rPr lang="en-US" smtClean="0"/>
+              <a:t>2/27/19</a:t>
+            </a:fld>
+            <a:endParaRPr lang="en-US"/>
+          </a:p>
+        </p:txBody>
+      </p:sp>
+      <p:sp>
+        <p:nvSpPr>
+          <p:cNvPr id="5" name="Rectangle 5"/>
+          <p:cNvSpPr>
+            <a:spLocks noGrp="1" noChangeArrowheads="1"/>
+          </p:cNvSpPr>
+          <p:nvPr>
+            <p:ph type="ftr" sz="quarter" idx="11"/>
+          </p:nvPr>
+        </p:nvSpPr>
+        <p:spPr>
+          <a:xfrm>
+            <a:off x="3124200" y="6245225"/>
+            <a:ext cx="2895600" cy="476250"/>
+          </a:xfrm>
+        </p:spPr>
+        <p:txBody>
+          <a:bodyPr/>
+          <a:lstStyle>
+            <a:lvl1pPr>
+              <a:spcBef>
+                <a:spcPct val="0"/>
+              </a:spcBef>
+              <a:defRPr smtClean="0">
+                <a:latin typeface="Times New Roman" pitchFamily="18" charset="0"/>
+              </a:defRPr>
+            </a:lvl1pPr>
+          </a:lstStyle>
+          <a:p>
+            <a:endParaRPr lang="en-US"/>
+          </a:p>
+        </p:txBody>
+      </p:sp>
+      <p:sp>
+        <p:nvSpPr>
+          <p:cNvPr id="6" name="Rectangle 6"/>
+          <p:cNvSpPr>
+            <a:spLocks noGrp="1" noChangeArrowheads="1"/>
+          </p:cNvSpPr>
+          <p:nvPr>
+            <p:ph type="sldNum" sz="quarter" idx="12"/>
+          </p:nvPr>
+        </p:nvSpPr>
+        <p:spPr>
+          <a:xfrm>
+            <a:off x="6553200" y="6245225"/>
+            <a:ext cx="2133600" cy="476250"/>
+          </a:xfrm>
+        </p:spPr>
+        <p:txBody>
+          <a:bodyPr/>
+          <a:lstStyle>
+            <a:lvl1pPr>
+              <a:spcBef>
+                <a:spcPct val="0"/>
+              </a:spcBef>
+              <a:defRPr smtClean="0">
+                <a:latin typeface="Times New Roman" pitchFamily="18" charset="0"/>
+              </a:defRPr>
             </a:lvl1pPr>
           </a:lstStyle>
           <a:p>
@@ -3542,7 +3750,7 @@
 </p:sld>
 </file>
 
-<file path=ppt/slides/slide51939.xml><?xml version="1.0" encoding="utf-8"?>
+<file path=ppt/slides/slide38641.xml><?xml version="1.0" encoding="utf-8"?>
 <p:sld xmlns:a="http://schemas.openxmlformats.org/drawingml/2006/main" xmlns:r="http://schemas.openxmlformats.org/officeDocument/2006/relationships" xmlns:p="http://schemas.openxmlformats.org/presentationml/2006/main">
   <p:cSld>
     <p:spTree>
@@ -3607,6 +3815,42 @@
           </a:p>
         </p:txBody>
       </p:sp>
+      <p:pic>
+        <p:nvPicPr>
+          <p:cNvPr id="5" name="Picture 4">
+            <a:extLst>
+              <a:ext uri="{FF2B5EF4-FFF2-40B4-BE49-F238E27FC236}">
+                <a16:creationId xmlns:a16="http://schemas.microsoft.com/office/drawing/2014/main" id="{BE7B72D9-437D-BB49-B8A6-B716880EAB93}"/>
+              </a:ext>
+            </a:extLst>
+          </p:cNvPr>
+          <p:cNvPicPr>
+            <a:picLocks noChangeAspect="1"/>
+          </p:cNvPicPr>
+          <p:nvPr/>
+        </p:nvPicPr>
+        <p:blipFill>
+          <a:blip r:embed="rId2">
+            <a:extLst>
+              <a:ext uri="{28A0092B-C50C-407E-A947-70E740481C1C}">
+                <a14:useLocalDpi xmlns:a14="http://schemas.microsoft.com/office/drawing/2010/main" val="0"/>
+              </a:ext>
+            </a:extLst>
+          </a:blip>
+          <a:stretch>
+            <a:fillRect/>
+          </a:stretch>
+        </p:blipFill>
+        <p:spPr>
+          <a:xfrm>
+            <a:off x="2895600" y="838200"/>
+            <a:ext cx="2571750" cy="3429000"/>
+          </a:xfrm>
+          <a:prstGeom prst="rect">
+            <a:avLst/>
+          </a:prstGeom>
+        </p:spPr>
+      </p:pic>
     </p:spTree>
   </p:cSld>
   <p:clrMapOvr>

--- a/output/test.pptx
+++ b/output/test.pptx
@@ -6,7 +6,7 @@
   </p:sldMasterIdLst>
   <p:sldIdLst>
     <p:sldId id="257" r:id="rId2"/>
-    <p:sldId id="38641" r:id="rId38641"/>
+    <p:sldId id="27995" r:id="rId27995"/>
   </p:sldIdLst>
   <p:sldSz cx="9144000" cy="6858000" type="screen4x3"/>
   <p:notesSz cx="6858000" cy="9144000"/>
@@ -888,211 +888,7 @@
 </p:sldLayout>
 </file>
 
-<file path=ppt/slideLayouts/slideLayout3.xml><?xml version="1.0" encoding="utf-8"?>
-<p:sldLayout xmlns:a="http://schemas.openxmlformats.org/drawingml/2006/main" xmlns:r="http://schemas.openxmlformats.org/officeDocument/2006/relationships" xmlns:p="http://schemas.openxmlformats.org/presentationml/2006/main" type="secHead" preserve="1">
-  <p:cSld name="Section Header">
-    <p:spTree>
-      <p:nvGrpSpPr>
-        <p:cNvPr id="1" name=""/>
-        <p:cNvGrpSpPr/>
-        <p:nvPr/>
-      </p:nvGrpSpPr>
-      <p:grpSpPr>
-        <a:xfrm>
-          <a:off x="0" y="0"/>
-          <a:ext cx="0" cy="0"/>
-          <a:chOff x="0" y="0"/>
-          <a:chExt cx="0" cy="0"/>
-        </a:xfrm>
-      </p:grpSpPr>
-      <p:sp>
-        <p:nvSpPr>
-          <p:cNvPr id="2" name="Title 1"/>
-          <p:cNvSpPr>
-            <a:spLocks noGrp="1"/>
-          </p:cNvSpPr>
-          <p:nvPr>
-            <p:ph type="title"/>
-          </p:nvPr>
-        </p:nvSpPr>
-        <p:spPr>
-          <a:xfrm>
-            <a:off x="722313" y="4406900"/>
-            <a:ext cx="7772400" cy="1362075"/>
-          </a:xfrm>
-        </p:spPr>
-        <p:txBody>
-          <a:bodyPr anchor="t"/>
-          <a:lstStyle>
-            <a:lvl1pPr algn="l">
-              <a:defRPr sz="4000" b="1" cap="all"/>
-            </a:lvl1pPr>
-          </a:lstStyle>
-          <a:p>
-            <a:r>
-              <a:rPr lang="en-US"/>
-              <a:t>Click to edit Master title style</a:t>
-            </a:r>
-          </a:p>
-        </p:txBody>
-      </p:sp>
-      <p:sp>
-        <p:nvSpPr>
-          <p:cNvPr id="3" name="Text Placeholder 2"/>
-          <p:cNvSpPr>
-            <a:spLocks noGrp="1"/>
-          </p:cNvSpPr>
-          <p:nvPr>
-            <p:ph type="body" idx="1"/>
-          </p:nvPr>
-        </p:nvSpPr>
-        <p:spPr>
-          <a:xfrm>
-            <a:off x="722313" y="2906713"/>
-            <a:ext cx="7772400" cy="1500187"/>
-          </a:xfrm>
-        </p:spPr>
-        <p:txBody>
-          <a:bodyPr anchor="b"/>
-          <a:lstStyle>
-            <a:lvl1pPr marL="0" indent="0">
-              <a:buNone/>
-              <a:defRPr sz="2000"/>
-            </a:lvl1pPr>
-            <a:lvl2pPr marL="457200" indent="0">
-              <a:buNone/>
-              <a:defRPr sz="1800"/>
-            </a:lvl2pPr>
-            <a:lvl3pPr marL="914400" indent="0">
-              <a:buNone/>
-              <a:defRPr sz="1600"/>
-            </a:lvl3pPr>
-            <a:lvl4pPr marL="1371600" indent="0">
-              <a:buNone/>
-              <a:defRPr sz="1400"/>
-            </a:lvl4pPr>
-            <a:lvl5pPr marL="1828800" indent="0">
-              <a:buNone/>
-              <a:defRPr sz="1400"/>
-            </a:lvl5pPr>
-            <a:lvl6pPr marL="2286000" indent="0">
-              <a:buNone/>
-              <a:defRPr sz="1400"/>
-            </a:lvl6pPr>
-            <a:lvl7pPr marL="2743200" indent="0">
-              <a:buNone/>
-              <a:defRPr sz="1400"/>
-            </a:lvl7pPr>
-            <a:lvl8pPr marL="3200400" indent="0">
-              <a:buNone/>
-              <a:defRPr sz="1400"/>
-            </a:lvl8pPr>
-            <a:lvl9pPr marL="3657600" indent="0">
-              <a:buNone/>
-              <a:defRPr sz="1400"/>
-            </a:lvl9pPr>
-          </a:lstStyle>
-          <a:p>
-            <a:pPr lvl="0"/>
-            <a:r>
-              <a:rPr lang="en-US"/>
-              <a:t>Click to edit Master text styles</a:t>
-            </a:r>
-          </a:p>
-        </p:txBody>
-      </p:sp>
-      <p:sp>
-        <p:nvSpPr>
-          <p:cNvPr id="4" name="Rectangle 4"/>
-          <p:cNvSpPr>
-            <a:spLocks noGrp="1" noChangeArrowheads="1"/>
-          </p:cNvSpPr>
-          <p:nvPr>
-            <p:ph type="dt" sz="half" idx="10"/>
-          </p:nvPr>
-        </p:nvSpPr>
-        <p:spPr>
-          <a:ln/>
-        </p:spPr>
-        <p:txBody>
-          <a:bodyPr/>
-          <a:lstStyle>
-            <a:lvl1pPr>
-              <a:defRPr/>
-            </a:lvl1pPr>
-          </a:lstStyle>
-          <a:p>
-            <a:fld id="{F73F0BFC-2C88-4AAF-B42F-33B416312C7A}" type="datetimeFigureOut">
-              <a:rPr lang="en-US" smtClean="0"/>
-              <a:t>2/27/19</a:t>
-            </a:fld>
-            <a:endParaRPr lang="en-US"/>
-          </a:p>
-        </p:txBody>
-      </p:sp>
-      <p:sp>
-        <p:nvSpPr>
-          <p:cNvPr id="5" name="Rectangle 5"/>
-          <p:cNvSpPr>
-            <a:spLocks noGrp="1" noChangeArrowheads="1"/>
-          </p:cNvSpPr>
-          <p:nvPr>
-            <p:ph type="ftr" sz="quarter" idx="11"/>
-          </p:nvPr>
-        </p:nvSpPr>
-        <p:spPr>
-          <a:ln/>
-        </p:spPr>
-        <p:txBody>
-          <a:bodyPr/>
-          <a:lstStyle>
-            <a:lvl1pPr>
-              <a:defRPr/>
-            </a:lvl1pPr>
-          </a:lstStyle>
-          <a:p>
-            <a:endParaRPr lang="en-US"/>
-          </a:p>
-        </p:txBody>
-      </p:sp>
-      <p:sp>
-        <p:nvSpPr>
-          <p:cNvPr id="6" name="Rectangle 6"/>
-          <p:cNvSpPr>
-            <a:spLocks noGrp="1" noChangeArrowheads="1"/>
-          </p:cNvSpPr>
-          <p:nvPr>
-            <p:ph type="sldNum" sz="quarter" idx="12"/>
-          </p:nvPr>
-        </p:nvSpPr>
-        <p:spPr>
-          <a:ln/>
-        </p:spPr>
-        <p:txBody>
-          <a:bodyPr/>
-          <a:lstStyle>
-            <a:lvl1pPr>
-              <a:defRPr/>
-            </a:lvl1pPr>
-          </a:lstStyle>
-          <a:p>
-            <a:fld id="{E6FB1B62-A5F7-43C1-BF55-5D6EB0E052F4}" type="slidenum">
-              <a:rPr lang="en-US" smtClean="0"/>
-              <a:t>‹#›</a:t>
-            </a:fld>
-            <a:endParaRPr lang="en-US"/>
-          </a:p>
-        </p:txBody>
-      </p:sp>
-    </p:spTree>
-  </p:cSld>
-  <p:clrMapOvr>
-    <a:masterClrMapping/>
-  </p:clrMapOvr>
-</p:sldLayout>
-</file>
-
-<file path=ppt/slideLayouts/slideLayout38641.xml><?xml version="1.0" encoding="utf-8"?>
+<file path=ppt/slideLayouts/slideLayout27995.xml><?xml version="1.0" encoding="utf-8"?>
 <p:sldLayout xmlns:a="http://schemas.openxmlformats.org/drawingml/2006/main" xmlns:r="http://schemas.openxmlformats.org/officeDocument/2006/relationships" xmlns:p="http://schemas.openxmlformats.org/presentationml/2006/main" type="title" preserve="1">
   <p:cSld name="Title Slide">
     <p:bg>
@@ -1281,6 +1077,210 @@
               <a:defRPr smtClean="0">
                 <a:latin typeface="Times New Roman" pitchFamily="18" charset="0"/>
               </a:defRPr>
+            </a:lvl1pPr>
+          </a:lstStyle>
+          <a:p>
+            <a:fld id="{E6FB1B62-A5F7-43C1-BF55-5D6EB0E052F4}" type="slidenum">
+              <a:rPr lang="en-US" smtClean="0"/>
+              <a:t>‹#›</a:t>
+            </a:fld>
+            <a:endParaRPr lang="en-US"/>
+          </a:p>
+        </p:txBody>
+      </p:sp>
+    </p:spTree>
+  </p:cSld>
+  <p:clrMapOvr>
+    <a:masterClrMapping/>
+  </p:clrMapOvr>
+</p:sldLayout>
+</file>
+
+<file path=ppt/slideLayouts/slideLayout3.xml><?xml version="1.0" encoding="utf-8"?>
+<p:sldLayout xmlns:a="http://schemas.openxmlformats.org/drawingml/2006/main" xmlns:r="http://schemas.openxmlformats.org/officeDocument/2006/relationships" xmlns:p="http://schemas.openxmlformats.org/presentationml/2006/main" type="secHead" preserve="1">
+  <p:cSld name="Section Header">
+    <p:spTree>
+      <p:nvGrpSpPr>
+        <p:cNvPr id="1" name=""/>
+        <p:cNvGrpSpPr/>
+        <p:nvPr/>
+      </p:nvGrpSpPr>
+      <p:grpSpPr>
+        <a:xfrm>
+          <a:off x="0" y="0"/>
+          <a:ext cx="0" cy="0"/>
+          <a:chOff x="0" y="0"/>
+          <a:chExt cx="0" cy="0"/>
+        </a:xfrm>
+      </p:grpSpPr>
+      <p:sp>
+        <p:nvSpPr>
+          <p:cNvPr id="2" name="Title 1"/>
+          <p:cNvSpPr>
+            <a:spLocks noGrp="1"/>
+          </p:cNvSpPr>
+          <p:nvPr>
+            <p:ph type="title"/>
+          </p:nvPr>
+        </p:nvSpPr>
+        <p:spPr>
+          <a:xfrm>
+            <a:off x="722313" y="4406900"/>
+            <a:ext cx="7772400" cy="1362075"/>
+          </a:xfrm>
+        </p:spPr>
+        <p:txBody>
+          <a:bodyPr anchor="t"/>
+          <a:lstStyle>
+            <a:lvl1pPr algn="l">
+              <a:defRPr sz="4000" b="1" cap="all"/>
+            </a:lvl1pPr>
+          </a:lstStyle>
+          <a:p>
+            <a:r>
+              <a:rPr lang="en-US"/>
+              <a:t>Click to edit Master title style</a:t>
+            </a:r>
+          </a:p>
+        </p:txBody>
+      </p:sp>
+      <p:sp>
+        <p:nvSpPr>
+          <p:cNvPr id="3" name="Text Placeholder 2"/>
+          <p:cNvSpPr>
+            <a:spLocks noGrp="1"/>
+          </p:cNvSpPr>
+          <p:nvPr>
+            <p:ph type="body" idx="1"/>
+          </p:nvPr>
+        </p:nvSpPr>
+        <p:spPr>
+          <a:xfrm>
+            <a:off x="722313" y="2906713"/>
+            <a:ext cx="7772400" cy="1500187"/>
+          </a:xfrm>
+        </p:spPr>
+        <p:txBody>
+          <a:bodyPr anchor="b"/>
+          <a:lstStyle>
+            <a:lvl1pPr marL="0" indent="0">
+              <a:buNone/>
+              <a:defRPr sz="2000"/>
+            </a:lvl1pPr>
+            <a:lvl2pPr marL="457200" indent="0">
+              <a:buNone/>
+              <a:defRPr sz="1800"/>
+            </a:lvl2pPr>
+            <a:lvl3pPr marL="914400" indent="0">
+              <a:buNone/>
+              <a:defRPr sz="1600"/>
+            </a:lvl3pPr>
+            <a:lvl4pPr marL="1371600" indent="0">
+              <a:buNone/>
+              <a:defRPr sz="1400"/>
+            </a:lvl4pPr>
+            <a:lvl5pPr marL="1828800" indent="0">
+              <a:buNone/>
+              <a:defRPr sz="1400"/>
+            </a:lvl5pPr>
+            <a:lvl6pPr marL="2286000" indent="0">
+              <a:buNone/>
+              <a:defRPr sz="1400"/>
+            </a:lvl6pPr>
+            <a:lvl7pPr marL="2743200" indent="0">
+              <a:buNone/>
+              <a:defRPr sz="1400"/>
+            </a:lvl7pPr>
+            <a:lvl8pPr marL="3200400" indent="0">
+              <a:buNone/>
+              <a:defRPr sz="1400"/>
+            </a:lvl8pPr>
+            <a:lvl9pPr marL="3657600" indent="0">
+              <a:buNone/>
+              <a:defRPr sz="1400"/>
+            </a:lvl9pPr>
+          </a:lstStyle>
+          <a:p>
+            <a:pPr lvl="0"/>
+            <a:r>
+              <a:rPr lang="en-US"/>
+              <a:t>Click to edit Master text styles</a:t>
+            </a:r>
+          </a:p>
+        </p:txBody>
+      </p:sp>
+      <p:sp>
+        <p:nvSpPr>
+          <p:cNvPr id="4" name="Rectangle 4"/>
+          <p:cNvSpPr>
+            <a:spLocks noGrp="1" noChangeArrowheads="1"/>
+          </p:cNvSpPr>
+          <p:nvPr>
+            <p:ph type="dt" sz="half" idx="10"/>
+          </p:nvPr>
+        </p:nvSpPr>
+        <p:spPr>
+          <a:ln/>
+        </p:spPr>
+        <p:txBody>
+          <a:bodyPr/>
+          <a:lstStyle>
+            <a:lvl1pPr>
+              <a:defRPr/>
+            </a:lvl1pPr>
+          </a:lstStyle>
+          <a:p>
+            <a:fld id="{F73F0BFC-2C88-4AAF-B42F-33B416312C7A}" type="datetimeFigureOut">
+              <a:rPr lang="en-US" smtClean="0"/>
+              <a:t>2/27/19</a:t>
+            </a:fld>
+            <a:endParaRPr lang="en-US"/>
+          </a:p>
+        </p:txBody>
+      </p:sp>
+      <p:sp>
+        <p:nvSpPr>
+          <p:cNvPr id="5" name="Rectangle 5"/>
+          <p:cNvSpPr>
+            <a:spLocks noGrp="1" noChangeArrowheads="1"/>
+          </p:cNvSpPr>
+          <p:nvPr>
+            <p:ph type="ftr" sz="quarter" idx="11"/>
+          </p:nvPr>
+        </p:nvSpPr>
+        <p:spPr>
+          <a:ln/>
+        </p:spPr>
+        <p:txBody>
+          <a:bodyPr/>
+          <a:lstStyle>
+            <a:lvl1pPr>
+              <a:defRPr/>
+            </a:lvl1pPr>
+          </a:lstStyle>
+          <a:p>
+            <a:endParaRPr lang="en-US"/>
+          </a:p>
+        </p:txBody>
+      </p:sp>
+      <p:sp>
+        <p:nvSpPr>
+          <p:cNvPr id="6" name="Rectangle 6"/>
+          <p:cNvSpPr>
+            <a:spLocks noGrp="1" noChangeArrowheads="1"/>
+          </p:cNvSpPr>
+          <p:nvPr>
+            <p:ph type="sldNum" sz="quarter" idx="12"/>
+          </p:nvPr>
+        </p:nvSpPr>
+        <p:spPr>
+          <a:ln/>
+        </p:spPr>
+        <p:txBody>
+          <a:bodyPr/>
+          <a:lstStyle>
+            <a:lvl1pPr>
+              <a:defRPr/>
             </a:lvl1pPr>
           </a:lstStyle>
           <a:p>
@@ -3750,7 +3750,7 @@
 </p:sld>
 </file>
 
-<file path=ppt/slides/slide38641.xml><?xml version="1.0" encoding="utf-8"?>
+<file path=ppt/slides/slide27995.xml><?xml version="1.0" encoding="utf-8"?>
 <p:sld xmlns:a="http://schemas.openxmlformats.org/drawingml/2006/main" xmlns:r="http://schemas.openxmlformats.org/officeDocument/2006/relationships" xmlns:p="http://schemas.openxmlformats.org/presentationml/2006/main">
   <p:cSld>
     <p:spTree>

--- a/output/test.pptx
+++ b/output/test.pptx
@@ -6,7 +6,7 @@
   </p:sldMasterIdLst>
   <p:sldIdLst>
     <p:sldId id="257" r:id="rId2"/>
-    <p:sldId id="51939" r:id="rId51939"/>
+    <p:sldId id="82812" r:id="rId82812"/>
   </p:sldIdLst>
   <p:sldSz cx="9144000" cy="6858000" type="screen4x3"/>
   <p:notesSz cx="6858000" cy="9144000"/>
@@ -3542,7 +3542,7 @@
 </p:sld>
 </file>
 
-<file path=ppt/slides/slide51939.xml><?xml version="1.0" encoding="utf-8"?>
+<file path=ppt/slides/slide82812.xml><?xml version="1.0" encoding="utf-8"?>
 <p:sld xmlns:a="http://schemas.openxmlformats.org/drawingml/2006/main" xmlns:r="http://schemas.openxmlformats.org/officeDocument/2006/relationships" xmlns:p="http://schemas.openxmlformats.org/presentationml/2006/main">
   <p:cSld>
     <p:spTree>

--- a/output/test.pptx
+++ b/output/test.pptx
@@ -3,10 +3,11 @@
 <p:presentation xmlns:a="http://schemas.openxmlformats.org/drawingml/2006/main" xmlns:r="http://schemas.openxmlformats.org/officeDocument/2006/relationships" xmlns:p="http://schemas.openxmlformats.org/presentationml/2006/main" saveSubsetFonts="1">
   <p:sldMasterIdLst>
     <p:sldMasterId id="2147483684" r:id="rId1"/>
+    <p:sldMasterId id="45250" r:id="rId452502"/>
   </p:sldMasterIdLst>
   <p:sldIdLst>
     <p:sldId id="257" r:id="rId2"/>
-    <p:sldId id="27995" r:id="rId27995"/>
+    <p:sldId id="45250" r:id="rId452501"/>
   </p:sldIdLst>
   <p:sldSz cx="9144000" cy="6858000" type="screen4x3"/>
   <p:notesSz cx="6858000" cy="9144000"/>
@@ -888,214 +889,6 @@
 </p:sldLayout>
 </file>
 
-<file path=ppt/slideLayouts/slideLayout27995.xml><?xml version="1.0" encoding="utf-8"?>
-<p:sldLayout xmlns:a="http://schemas.openxmlformats.org/drawingml/2006/main" xmlns:r="http://schemas.openxmlformats.org/officeDocument/2006/relationships" xmlns:p="http://schemas.openxmlformats.org/presentationml/2006/main" type="title" preserve="1">
-  <p:cSld name="Title Slide">
-    <p:bg>
-      <p:bgPr>
-        <a:blipFill dpi="0" rotWithShape="0">
-          <a:blip r:embed="rId2"/>
-          <a:srcRect/>
-          <a:stretch>
-            <a:fillRect/>
-          </a:stretch>
-        </a:blipFill>
-        <a:effectLst/>
-      </p:bgPr>
-    </p:bg>
-    <p:spTree>
-      <p:nvGrpSpPr>
-        <p:cNvPr id="1" name=""/>
-        <p:cNvGrpSpPr/>
-        <p:nvPr/>
-      </p:nvGrpSpPr>
-      <p:grpSpPr>
-        <a:xfrm>
-          <a:off x="0" y="0"/>
-          <a:ext cx="0" cy="0"/>
-          <a:chOff x="0" y="0"/>
-          <a:chExt cx="0" cy="0"/>
-        </a:xfrm>
-      </p:grpSpPr>
-      <p:sp>
-        <p:nvSpPr>
-          <p:cNvPr id="368642" name="Rectangle 2"/>
-          <p:cNvSpPr>
-            <a:spLocks noGrp="1" noChangeArrowheads="1"/>
-          </p:cNvSpPr>
-          <p:nvPr>
-            <p:ph type="ctrTitle"/>
-          </p:nvPr>
-        </p:nvSpPr>
-        <p:spPr>
-          <a:xfrm>
-            <a:off x="152400" y="5194300"/>
-            <a:ext cx="7467600" cy="914400"/>
-          </a:xfrm>
-        </p:spPr>
-        <p:txBody>
-          <a:bodyPr anchor="b"/>
-          <a:lstStyle>
-            <a:lvl1pPr algn="l">
-              <a:defRPr/>
-            </a:lvl1pPr>
-          </a:lstStyle>
-          <a:p>
-            <a:r>
-              <a:rPr lang="en-US"/>
-              <a:t>Click to edit Master title style</a:t>
-            </a:r>
-          </a:p>
-        </p:txBody>
-      </p:sp>
-      <p:sp>
-        <p:nvSpPr>
-          <p:cNvPr id="368643" name="Rectangle 3"/>
-          <p:cNvSpPr>
-            <a:spLocks noGrp="1" noChangeArrowheads="1"/>
-          </p:cNvSpPr>
-          <p:nvPr>
-            <p:ph type="subTitle" idx="1"/>
-          </p:nvPr>
-        </p:nvSpPr>
-        <p:spPr>
-          <a:xfrm>
-            <a:off x="152400" y="6032500"/>
-            <a:ext cx="6400800" cy="749300"/>
-          </a:xfrm>
-        </p:spPr>
-        <p:txBody>
-          <a:bodyPr/>
-          <a:lstStyle>
-            <a:lvl1pPr marL="0" indent="0">
-              <a:buFont typeface="Wingdings" pitchFamily="2" charset="2"/>
-              <a:buNone/>
-              <a:defRPr/>
-            </a:lvl1pPr>
-          </a:lstStyle>
-          <a:p>
-            <a:r>
-              <a:rPr lang="en-US"/>
-              <a:t>Click to edit Master subtitle style</a:t>
-            </a:r>
-          </a:p>
-        </p:txBody>
-      </p:sp>
-      <p:sp>
-        <p:nvSpPr>
-          <p:cNvPr id="4" name="Rectangle 4"/>
-          <p:cNvSpPr>
-            <a:spLocks noGrp="1" noChangeArrowheads="1"/>
-          </p:cNvSpPr>
-          <p:nvPr>
-            <p:ph type="dt" sz="quarter" idx="10"/>
-          </p:nvPr>
-        </p:nvSpPr>
-        <p:spPr>
-          <a:xfrm>
-            <a:off x="457200" y="6245225"/>
-            <a:ext cx="2133600" cy="476250"/>
-          </a:xfrm>
-        </p:spPr>
-        <p:txBody>
-          <a:bodyPr/>
-          <a:lstStyle>
-            <a:lvl1pPr>
-              <a:spcBef>
-                <a:spcPct val="0"/>
-              </a:spcBef>
-              <a:defRPr smtClean="0">
-                <a:latin typeface="Times New Roman" pitchFamily="18" charset="0"/>
-              </a:defRPr>
-            </a:lvl1pPr>
-          </a:lstStyle>
-          <a:p>
-            <a:fld id="{F73F0BFC-2C88-4AAF-B42F-33B416312C7A}" type="datetimeFigureOut">
-              <a:rPr lang="en-US" smtClean="0"/>
-              <a:t>2/27/19</a:t>
-            </a:fld>
-            <a:endParaRPr lang="en-US"/>
-          </a:p>
-        </p:txBody>
-      </p:sp>
-      <p:sp>
-        <p:nvSpPr>
-          <p:cNvPr id="5" name="Rectangle 5"/>
-          <p:cNvSpPr>
-            <a:spLocks noGrp="1" noChangeArrowheads="1"/>
-          </p:cNvSpPr>
-          <p:nvPr>
-            <p:ph type="ftr" sz="quarter" idx="11"/>
-          </p:nvPr>
-        </p:nvSpPr>
-        <p:spPr>
-          <a:xfrm>
-            <a:off x="3124200" y="6245225"/>
-            <a:ext cx="2895600" cy="476250"/>
-          </a:xfrm>
-        </p:spPr>
-        <p:txBody>
-          <a:bodyPr/>
-          <a:lstStyle>
-            <a:lvl1pPr>
-              <a:spcBef>
-                <a:spcPct val="0"/>
-              </a:spcBef>
-              <a:defRPr smtClean="0">
-                <a:latin typeface="Times New Roman" pitchFamily="18" charset="0"/>
-              </a:defRPr>
-            </a:lvl1pPr>
-          </a:lstStyle>
-          <a:p>
-            <a:endParaRPr lang="en-US"/>
-          </a:p>
-        </p:txBody>
-      </p:sp>
-      <p:sp>
-        <p:nvSpPr>
-          <p:cNvPr id="6" name="Rectangle 6"/>
-          <p:cNvSpPr>
-            <a:spLocks noGrp="1" noChangeArrowheads="1"/>
-          </p:cNvSpPr>
-          <p:nvPr>
-            <p:ph type="sldNum" sz="quarter" idx="12"/>
-          </p:nvPr>
-        </p:nvSpPr>
-        <p:spPr>
-          <a:xfrm>
-            <a:off x="6553200" y="6245225"/>
-            <a:ext cx="2133600" cy="476250"/>
-          </a:xfrm>
-        </p:spPr>
-        <p:txBody>
-          <a:bodyPr/>
-          <a:lstStyle>
-            <a:lvl1pPr>
-              <a:spcBef>
-                <a:spcPct val="0"/>
-              </a:spcBef>
-              <a:defRPr smtClean="0">
-                <a:latin typeface="Times New Roman" pitchFamily="18" charset="0"/>
-              </a:defRPr>
-            </a:lvl1pPr>
-          </a:lstStyle>
-          <a:p>
-            <a:fld id="{E6FB1B62-A5F7-43C1-BF55-5D6EB0E052F4}" type="slidenum">
-              <a:rPr lang="en-US" smtClean="0"/>
-              <a:t>‹#›</a:t>
-            </a:fld>
-            <a:endParaRPr lang="en-US"/>
-          </a:p>
-        </p:txBody>
-      </p:sp>
-    </p:spTree>
-  </p:cSld>
-  <p:clrMapOvr>
-    <a:masterClrMapping/>
-  </p:clrMapOvr>
-</p:sldLayout>
-</file>
-
 <file path=ppt/slideLayouts/slideLayout3.xml><?xml version="1.0" encoding="utf-8"?>
 <p:sldLayout xmlns:a="http://schemas.openxmlformats.org/drawingml/2006/main" xmlns:r="http://schemas.openxmlformats.org/officeDocument/2006/relationships" xmlns:p="http://schemas.openxmlformats.org/presentationml/2006/main" type="secHead" preserve="1">
   <p:cSld name="Section Header">
@@ -1564,6 +1357,187 @@
       <p:sp>
         <p:nvSpPr>
           <p:cNvPr id="7" name="Rectangle 6"/>
+          <p:cNvSpPr>
+            <a:spLocks noGrp="1" noChangeArrowheads="1"/>
+          </p:cNvSpPr>
+          <p:nvPr>
+            <p:ph type="sldNum" sz="quarter" idx="12"/>
+          </p:nvPr>
+        </p:nvSpPr>
+        <p:spPr>
+          <a:ln/>
+        </p:spPr>
+        <p:txBody>
+          <a:bodyPr/>
+          <a:lstStyle>
+            <a:lvl1pPr>
+              <a:defRPr/>
+            </a:lvl1pPr>
+          </a:lstStyle>
+          <a:p>
+            <a:fld id="{E6FB1B62-A5F7-43C1-BF55-5D6EB0E052F4}" type="slidenum">
+              <a:rPr lang="en-US" smtClean="0"/>
+              <a:t>‹#›</a:t>
+            </a:fld>
+            <a:endParaRPr lang="en-US"/>
+          </a:p>
+        </p:txBody>
+      </p:sp>
+    </p:spTree>
+  </p:cSld>
+  <p:clrMapOvr>
+    <a:masterClrMapping/>
+  </p:clrMapOvr>
+</p:sldLayout>
+</file>
+
+<file path=ppt/slideLayouts/slideLayout45250.xml><?xml version="1.0" encoding="utf-8"?>
+<p:sldLayout xmlns:a="http://schemas.openxmlformats.org/drawingml/2006/main" xmlns:r="http://schemas.openxmlformats.org/officeDocument/2006/relationships" xmlns:p="http://schemas.openxmlformats.org/presentationml/2006/main" type="obj" preserve="1">
+  <p:cSld name="Title and Content">
+    <p:spTree>
+      <p:nvGrpSpPr>
+        <p:cNvPr id="1" name=""/>
+        <p:cNvGrpSpPr/>
+        <p:nvPr/>
+      </p:nvGrpSpPr>
+      <p:grpSpPr>
+        <a:xfrm>
+          <a:off x="0" y="0"/>
+          <a:ext cx="0" cy="0"/>
+          <a:chOff x="0" y="0"/>
+          <a:chExt cx="0" cy="0"/>
+        </a:xfrm>
+      </p:grpSpPr>
+      <p:sp>
+        <p:nvSpPr>
+          <p:cNvPr id="2" name="Title 1"/>
+          <p:cNvSpPr>
+            <a:spLocks noGrp="1"/>
+          </p:cNvSpPr>
+          <p:nvPr>
+            <p:ph type="title"/>
+          </p:nvPr>
+        </p:nvSpPr>
+        <p:spPr/>
+        <p:txBody>
+          <a:bodyPr/>
+          <a:lstStyle/>
+          <a:p>
+            <a:r>
+              <a:rPr lang="en-US"/>
+              <a:t>Click to edit Master title style</a:t>
+            </a:r>
+          </a:p>
+        </p:txBody>
+      </p:sp>
+      <p:sp>
+        <p:nvSpPr>
+          <p:cNvPr id="3" name="Content Placeholder 2"/>
+          <p:cNvSpPr>
+            <a:spLocks noGrp="1"/>
+          </p:cNvSpPr>
+          <p:nvPr>
+            <p:ph idx="1"/>
+          </p:nvPr>
+        </p:nvSpPr>
+        <p:spPr/>
+        <p:txBody>
+          <a:bodyPr/>
+          <a:lstStyle/>
+          <a:p>
+            <a:pPr lvl="0"/>
+            <a:r>
+              <a:rPr lang="en-US"/>
+              <a:t>Click to edit Master text styles</a:t>
+            </a:r>
+          </a:p>
+          <a:p>
+            <a:pPr lvl="1"/>
+            <a:r>
+              <a:rPr lang="en-US"/>
+              <a:t>Second level</a:t>
+            </a:r>
+          </a:p>
+          <a:p>
+            <a:pPr lvl="2"/>
+            <a:r>
+              <a:rPr lang="en-US"/>
+              <a:t>Third level</a:t>
+            </a:r>
+          </a:p>
+          <a:p>
+            <a:pPr lvl="3"/>
+            <a:r>
+              <a:rPr lang="en-US"/>
+              <a:t>Fourth level</a:t>
+            </a:r>
+          </a:p>
+          <a:p>
+            <a:pPr lvl="4"/>
+            <a:r>
+              <a:rPr lang="en-US"/>
+              <a:t>Fifth level</a:t>
+            </a:r>
+          </a:p>
+        </p:txBody>
+      </p:sp>
+      <p:sp>
+        <p:nvSpPr>
+          <p:cNvPr id="4" name="Rectangle 4"/>
+          <p:cNvSpPr>
+            <a:spLocks noGrp="1" noChangeArrowheads="1"/>
+          </p:cNvSpPr>
+          <p:nvPr>
+            <p:ph type="dt" sz="half" idx="10"/>
+          </p:nvPr>
+        </p:nvSpPr>
+        <p:spPr>
+          <a:ln/>
+        </p:spPr>
+        <p:txBody>
+          <a:bodyPr/>
+          <a:lstStyle>
+            <a:lvl1pPr>
+              <a:defRPr/>
+            </a:lvl1pPr>
+          </a:lstStyle>
+          <a:p>
+            <a:fld id="{F73F0BFC-2C88-4AAF-B42F-33B416312C7A}" type="datetimeFigureOut">
+              <a:rPr lang="en-US" smtClean="0"/>
+              <a:t>2/27/19</a:t>
+            </a:fld>
+            <a:endParaRPr lang="en-US"/>
+          </a:p>
+        </p:txBody>
+      </p:sp>
+      <p:sp>
+        <p:nvSpPr>
+          <p:cNvPr id="5" name="Rectangle 5"/>
+          <p:cNvSpPr>
+            <a:spLocks noGrp="1" noChangeArrowheads="1"/>
+          </p:cNvSpPr>
+          <p:nvPr>
+            <p:ph type="ftr" sz="quarter" idx="11"/>
+          </p:nvPr>
+        </p:nvSpPr>
+        <p:spPr>
+          <a:ln/>
+        </p:spPr>
+        <p:txBody>
+          <a:bodyPr/>
+          <a:lstStyle>
+            <a:lvl1pPr>
+              <a:defRPr/>
+            </a:lvl1pPr>
+          </a:lstStyle>
+          <a:p>
+            <a:endParaRPr lang="en-US"/>
+          </a:p>
+        </p:txBody>
+      </p:sp>
+      <p:sp>
+        <p:nvSpPr>
+          <p:cNvPr id="6" name="Rectangle 6"/>
           <p:cNvSpPr>
             <a:spLocks noGrp="1" noChangeArrowheads="1"/>
           </p:cNvSpPr>
@@ -3135,6 +3109,818 @@
     <p:sldLayoutId id="2147483693" r:id="rId9"/>
     <p:sldLayoutId id="2147483694" r:id="rId10"/>
     <p:sldLayoutId id="2147483695" r:id="rId11"/>
+    <p:sldLayoutId id="45250" r:id="rId452502"/>
+  </p:sldLayoutIdLst>
+  <p:txStyles>
+    <p:titleStyle>
+      <a:lvl1pPr algn="ctr" rtl="0" eaLnBrk="1" fontAlgn="base" hangingPunct="1">
+        <a:spcBef>
+          <a:spcPct val="0"/>
+        </a:spcBef>
+        <a:spcAft>
+          <a:spcPct val="0"/>
+        </a:spcAft>
+        <a:defRPr kumimoji="1" sz="4400">
+          <a:solidFill>
+            <a:schemeClr val="tx2"/>
+          </a:solidFill>
+          <a:effectLst>
+            <a:outerShdw blurRad="38100" dist="38100" dir="2700000" algn="tl">
+              <a:srgbClr val="000000"/>
+            </a:outerShdw>
+          </a:effectLst>
+          <a:latin typeface="+mj-lt"/>
+          <a:ea typeface="+mj-ea"/>
+          <a:cs typeface="+mj-cs"/>
+        </a:defRPr>
+      </a:lvl1pPr>
+      <a:lvl2pPr algn="ctr" rtl="0" eaLnBrk="1" fontAlgn="base" hangingPunct="1">
+        <a:spcBef>
+          <a:spcPct val="0"/>
+        </a:spcBef>
+        <a:spcAft>
+          <a:spcPct val="0"/>
+        </a:spcAft>
+        <a:defRPr kumimoji="1" sz="4400">
+          <a:solidFill>
+            <a:schemeClr val="tx2"/>
+          </a:solidFill>
+          <a:effectLst>
+            <a:outerShdw blurRad="38100" dist="38100" dir="2700000" algn="tl">
+              <a:srgbClr val="000000"/>
+            </a:outerShdw>
+          </a:effectLst>
+          <a:latin typeface="Tahoma" pitchFamily="34" charset="0"/>
+        </a:defRPr>
+      </a:lvl2pPr>
+      <a:lvl3pPr algn="ctr" rtl="0" eaLnBrk="1" fontAlgn="base" hangingPunct="1">
+        <a:spcBef>
+          <a:spcPct val="0"/>
+        </a:spcBef>
+        <a:spcAft>
+          <a:spcPct val="0"/>
+        </a:spcAft>
+        <a:defRPr kumimoji="1" sz="4400">
+          <a:solidFill>
+            <a:schemeClr val="tx2"/>
+          </a:solidFill>
+          <a:effectLst>
+            <a:outerShdw blurRad="38100" dist="38100" dir="2700000" algn="tl">
+              <a:srgbClr val="000000"/>
+            </a:outerShdw>
+          </a:effectLst>
+          <a:latin typeface="Tahoma" pitchFamily="34" charset="0"/>
+        </a:defRPr>
+      </a:lvl3pPr>
+      <a:lvl4pPr algn="ctr" rtl="0" eaLnBrk="1" fontAlgn="base" hangingPunct="1">
+        <a:spcBef>
+          <a:spcPct val="0"/>
+        </a:spcBef>
+        <a:spcAft>
+          <a:spcPct val="0"/>
+        </a:spcAft>
+        <a:defRPr kumimoji="1" sz="4400">
+          <a:solidFill>
+            <a:schemeClr val="tx2"/>
+          </a:solidFill>
+          <a:effectLst>
+            <a:outerShdw blurRad="38100" dist="38100" dir="2700000" algn="tl">
+              <a:srgbClr val="000000"/>
+            </a:outerShdw>
+          </a:effectLst>
+          <a:latin typeface="Tahoma" pitchFamily="34" charset="0"/>
+        </a:defRPr>
+      </a:lvl4pPr>
+      <a:lvl5pPr algn="ctr" rtl="0" eaLnBrk="1" fontAlgn="base" hangingPunct="1">
+        <a:spcBef>
+          <a:spcPct val="0"/>
+        </a:spcBef>
+        <a:spcAft>
+          <a:spcPct val="0"/>
+        </a:spcAft>
+        <a:defRPr kumimoji="1" sz="4400">
+          <a:solidFill>
+            <a:schemeClr val="tx2"/>
+          </a:solidFill>
+          <a:effectLst>
+            <a:outerShdw blurRad="38100" dist="38100" dir="2700000" algn="tl">
+              <a:srgbClr val="000000"/>
+            </a:outerShdw>
+          </a:effectLst>
+          <a:latin typeface="Tahoma" pitchFamily="34" charset="0"/>
+        </a:defRPr>
+      </a:lvl5pPr>
+      <a:lvl6pPr marL="457200" algn="ctr" rtl="0" eaLnBrk="1" fontAlgn="base" hangingPunct="1">
+        <a:spcBef>
+          <a:spcPct val="0"/>
+        </a:spcBef>
+        <a:spcAft>
+          <a:spcPct val="0"/>
+        </a:spcAft>
+        <a:defRPr kumimoji="1" sz="4400">
+          <a:solidFill>
+            <a:schemeClr val="tx2"/>
+          </a:solidFill>
+          <a:effectLst>
+            <a:outerShdw blurRad="38100" dist="38100" dir="2700000" algn="tl">
+              <a:srgbClr val="000000"/>
+            </a:outerShdw>
+          </a:effectLst>
+          <a:latin typeface="Tahoma" pitchFamily="34" charset="0"/>
+        </a:defRPr>
+      </a:lvl6pPr>
+      <a:lvl7pPr marL="914400" algn="ctr" rtl="0" eaLnBrk="1" fontAlgn="base" hangingPunct="1">
+        <a:spcBef>
+          <a:spcPct val="0"/>
+        </a:spcBef>
+        <a:spcAft>
+          <a:spcPct val="0"/>
+        </a:spcAft>
+        <a:defRPr kumimoji="1" sz="4400">
+          <a:solidFill>
+            <a:schemeClr val="tx2"/>
+          </a:solidFill>
+          <a:effectLst>
+            <a:outerShdw blurRad="38100" dist="38100" dir="2700000" algn="tl">
+              <a:srgbClr val="000000"/>
+            </a:outerShdw>
+          </a:effectLst>
+          <a:latin typeface="Tahoma" pitchFamily="34" charset="0"/>
+        </a:defRPr>
+      </a:lvl7pPr>
+      <a:lvl8pPr marL="1371600" algn="ctr" rtl="0" eaLnBrk="1" fontAlgn="base" hangingPunct="1">
+        <a:spcBef>
+          <a:spcPct val="0"/>
+        </a:spcBef>
+        <a:spcAft>
+          <a:spcPct val="0"/>
+        </a:spcAft>
+        <a:defRPr kumimoji="1" sz="4400">
+          <a:solidFill>
+            <a:schemeClr val="tx2"/>
+          </a:solidFill>
+          <a:effectLst>
+            <a:outerShdw blurRad="38100" dist="38100" dir="2700000" algn="tl">
+              <a:srgbClr val="000000"/>
+            </a:outerShdw>
+          </a:effectLst>
+          <a:latin typeface="Tahoma" pitchFamily="34" charset="0"/>
+        </a:defRPr>
+      </a:lvl8pPr>
+      <a:lvl9pPr marL="1828800" algn="ctr" rtl="0" eaLnBrk="1" fontAlgn="base" hangingPunct="1">
+        <a:spcBef>
+          <a:spcPct val="0"/>
+        </a:spcBef>
+        <a:spcAft>
+          <a:spcPct val="0"/>
+        </a:spcAft>
+        <a:defRPr kumimoji="1" sz="4400">
+          <a:solidFill>
+            <a:schemeClr val="tx2"/>
+          </a:solidFill>
+          <a:effectLst>
+            <a:outerShdw blurRad="38100" dist="38100" dir="2700000" algn="tl">
+              <a:srgbClr val="000000"/>
+            </a:outerShdw>
+          </a:effectLst>
+          <a:latin typeface="Tahoma" pitchFamily="34" charset="0"/>
+        </a:defRPr>
+      </a:lvl9pPr>
+    </p:titleStyle>
+    <p:bodyStyle>
+      <a:lvl1pPr marL="342900" indent="-342900" algn="l" rtl="0" eaLnBrk="1" fontAlgn="base" hangingPunct="1">
+        <a:spcBef>
+          <a:spcPct val="20000"/>
+        </a:spcBef>
+        <a:spcAft>
+          <a:spcPct val="0"/>
+        </a:spcAft>
+        <a:buClr>
+          <a:schemeClr val="accent1"/>
+        </a:buClr>
+        <a:buSzPct val="75000"/>
+        <a:buFont typeface="Wingdings" pitchFamily="2" charset="2"/>
+        <a:buChar char="n"/>
+        <a:defRPr kumimoji="1" sz="3200">
+          <a:solidFill>
+            <a:schemeClr val="tx1"/>
+          </a:solidFill>
+          <a:effectLst>
+            <a:outerShdw blurRad="38100" dist="38100" dir="2700000" algn="tl">
+              <a:srgbClr val="000000"/>
+            </a:outerShdw>
+          </a:effectLst>
+          <a:latin typeface="+mn-lt"/>
+          <a:ea typeface="+mn-ea"/>
+          <a:cs typeface="+mn-cs"/>
+        </a:defRPr>
+      </a:lvl1pPr>
+      <a:lvl2pPr marL="742950" indent="-285750" algn="l" rtl="0" eaLnBrk="1" fontAlgn="base" hangingPunct="1">
+        <a:spcBef>
+          <a:spcPct val="20000"/>
+        </a:spcBef>
+        <a:spcAft>
+          <a:spcPct val="0"/>
+        </a:spcAft>
+        <a:buClr>
+          <a:schemeClr val="accent1"/>
+        </a:buClr>
+        <a:buSzPct val="75000"/>
+        <a:buFont typeface="Wingdings" pitchFamily="2" charset="2"/>
+        <a:buChar char="n"/>
+        <a:defRPr kumimoji="1" sz="2800">
+          <a:solidFill>
+            <a:schemeClr val="tx1"/>
+          </a:solidFill>
+          <a:effectLst>
+            <a:outerShdw blurRad="38100" dist="38100" dir="2700000" algn="tl">
+              <a:srgbClr val="000000"/>
+            </a:outerShdw>
+          </a:effectLst>
+          <a:latin typeface="+mn-lt"/>
+        </a:defRPr>
+      </a:lvl2pPr>
+      <a:lvl3pPr marL="1143000" indent="-228600" algn="l" rtl="0" eaLnBrk="1" fontAlgn="base" hangingPunct="1">
+        <a:spcBef>
+          <a:spcPct val="20000"/>
+        </a:spcBef>
+        <a:spcAft>
+          <a:spcPct val="0"/>
+        </a:spcAft>
+        <a:buClr>
+          <a:schemeClr val="accent1"/>
+        </a:buClr>
+        <a:buSzPct val="75000"/>
+        <a:buFont typeface="Wingdings" pitchFamily="2" charset="2"/>
+        <a:buChar char="n"/>
+        <a:defRPr kumimoji="1" sz="2400">
+          <a:solidFill>
+            <a:schemeClr val="tx1"/>
+          </a:solidFill>
+          <a:effectLst>
+            <a:outerShdw blurRad="38100" dist="38100" dir="2700000" algn="tl">
+              <a:srgbClr val="000000"/>
+            </a:outerShdw>
+          </a:effectLst>
+          <a:latin typeface="+mn-lt"/>
+        </a:defRPr>
+      </a:lvl3pPr>
+      <a:lvl4pPr marL="1562100" indent="-228600" algn="l" rtl="0" eaLnBrk="1" fontAlgn="base" hangingPunct="1">
+        <a:spcBef>
+          <a:spcPct val="20000"/>
+        </a:spcBef>
+        <a:spcAft>
+          <a:spcPct val="0"/>
+        </a:spcAft>
+        <a:buClr>
+          <a:schemeClr val="accent1"/>
+        </a:buClr>
+        <a:buSzPct val="75000"/>
+        <a:buFont typeface="Wingdings" pitchFamily="2" charset="2"/>
+        <a:buChar char="n"/>
+        <a:defRPr kumimoji="1" sz="2000">
+          <a:solidFill>
+            <a:schemeClr val="tx1"/>
+          </a:solidFill>
+          <a:effectLst>
+            <a:outerShdw blurRad="38100" dist="38100" dir="2700000" algn="tl">
+              <a:srgbClr val="000000"/>
+            </a:outerShdw>
+          </a:effectLst>
+          <a:latin typeface="+mn-lt"/>
+        </a:defRPr>
+      </a:lvl4pPr>
+      <a:lvl5pPr marL="1981200" indent="-228600" algn="l" rtl="0" eaLnBrk="1" fontAlgn="base" hangingPunct="1">
+        <a:spcBef>
+          <a:spcPct val="20000"/>
+        </a:spcBef>
+        <a:spcAft>
+          <a:spcPct val="0"/>
+        </a:spcAft>
+        <a:buClr>
+          <a:schemeClr val="accent1"/>
+        </a:buClr>
+        <a:buSzPct val="75000"/>
+        <a:buFont typeface="Wingdings" pitchFamily="2" charset="2"/>
+        <a:buChar char="n"/>
+        <a:defRPr kumimoji="1" sz="2000">
+          <a:solidFill>
+            <a:schemeClr val="tx1"/>
+          </a:solidFill>
+          <a:effectLst>
+            <a:outerShdw blurRad="38100" dist="38100" dir="2700000" algn="tl">
+              <a:srgbClr val="000000"/>
+            </a:outerShdw>
+          </a:effectLst>
+          <a:latin typeface="+mn-lt"/>
+        </a:defRPr>
+      </a:lvl5pPr>
+      <a:lvl6pPr marL="2438400" indent="-228600" algn="l" rtl="0" eaLnBrk="1" fontAlgn="base" hangingPunct="1">
+        <a:spcBef>
+          <a:spcPct val="20000"/>
+        </a:spcBef>
+        <a:spcAft>
+          <a:spcPct val="0"/>
+        </a:spcAft>
+        <a:buClr>
+          <a:schemeClr val="accent1"/>
+        </a:buClr>
+        <a:buSzPct val="75000"/>
+        <a:buFont typeface="Wingdings" pitchFamily="2" charset="2"/>
+        <a:buChar char="n"/>
+        <a:defRPr kumimoji="1" sz="2000">
+          <a:solidFill>
+            <a:schemeClr val="tx1"/>
+          </a:solidFill>
+          <a:effectLst>
+            <a:outerShdw blurRad="38100" dist="38100" dir="2700000" algn="tl">
+              <a:srgbClr val="000000"/>
+            </a:outerShdw>
+          </a:effectLst>
+          <a:latin typeface="+mn-lt"/>
+        </a:defRPr>
+      </a:lvl6pPr>
+      <a:lvl7pPr marL="2895600" indent="-228600" algn="l" rtl="0" eaLnBrk="1" fontAlgn="base" hangingPunct="1">
+        <a:spcBef>
+          <a:spcPct val="20000"/>
+        </a:spcBef>
+        <a:spcAft>
+          <a:spcPct val="0"/>
+        </a:spcAft>
+        <a:buClr>
+          <a:schemeClr val="accent1"/>
+        </a:buClr>
+        <a:buSzPct val="75000"/>
+        <a:buFont typeface="Wingdings" pitchFamily="2" charset="2"/>
+        <a:buChar char="n"/>
+        <a:defRPr kumimoji="1" sz="2000">
+          <a:solidFill>
+            <a:schemeClr val="tx1"/>
+          </a:solidFill>
+          <a:effectLst>
+            <a:outerShdw blurRad="38100" dist="38100" dir="2700000" algn="tl">
+              <a:srgbClr val="000000"/>
+            </a:outerShdw>
+          </a:effectLst>
+          <a:latin typeface="+mn-lt"/>
+        </a:defRPr>
+      </a:lvl7pPr>
+      <a:lvl8pPr marL="3352800" indent="-228600" algn="l" rtl="0" eaLnBrk="1" fontAlgn="base" hangingPunct="1">
+        <a:spcBef>
+          <a:spcPct val="20000"/>
+        </a:spcBef>
+        <a:spcAft>
+          <a:spcPct val="0"/>
+        </a:spcAft>
+        <a:buClr>
+          <a:schemeClr val="accent1"/>
+        </a:buClr>
+        <a:buSzPct val="75000"/>
+        <a:buFont typeface="Wingdings" pitchFamily="2" charset="2"/>
+        <a:buChar char="n"/>
+        <a:defRPr kumimoji="1" sz="2000">
+          <a:solidFill>
+            <a:schemeClr val="tx1"/>
+          </a:solidFill>
+          <a:effectLst>
+            <a:outerShdw blurRad="38100" dist="38100" dir="2700000" algn="tl">
+              <a:srgbClr val="000000"/>
+            </a:outerShdw>
+          </a:effectLst>
+          <a:latin typeface="+mn-lt"/>
+        </a:defRPr>
+      </a:lvl8pPr>
+      <a:lvl9pPr marL="3810000" indent="-228600" algn="l" rtl="0" eaLnBrk="1" fontAlgn="base" hangingPunct="1">
+        <a:spcBef>
+          <a:spcPct val="20000"/>
+        </a:spcBef>
+        <a:spcAft>
+          <a:spcPct val="0"/>
+        </a:spcAft>
+        <a:buClr>
+          <a:schemeClr val="accent1"/>
+        </a:buClr>
+        <a:buSzPct val="75000"/>
+        <a:buFont typeface="Wingdings" pitchFamily="2" charset="2"/>
+        <a:buChar char="n"/>
+        <a:defRPr kumimoji="1" sz="2000">
+          <a:solidFill>
+            <a:schemeClr val="tx1"/>
+          </a:solidFill>
+          <a:effectLst>
+            <a:outerShdw blurRad="38100" dist="38100" dir="2700000" algn="tl">
+              <a:srgbClr val="000000"/>
+            </a:outerShdw>
+          </a:effectLst>
+          <a:latin typeface="+mn-lt"/>
+        </a:defRPr>
+      </a:lvl9pPr>
+    </p:bodyStyle>
+    <p:otherStyle>
+      <a:defPPr>
+        <a:defRPr lang="en-US"/>
+      </a:defPPr>
+      <a:lvl1pPr marL="0" algn="l" defTabSz="914400" rtl="0" eaLnBrk="1" latinLnBrk="0" hangingPunct="1">
+        <a:defRPr sz="1800" kern="1200">
+          <a:solidFill>
+            <a:schemeClr val="tx1"/>
+          </a:solidFill>
+          <a:latin typeface="+mn-lt"/>
+          <a:ea typeface="+mn-ea"/>
+          <a:cs typeface="+mn-cs"/>
+        </a:defRPr>
+      </a:lvl1pPr>
+      <a:lvl2pPr marL="457200" algn="l" defTabSz="914400" rtl="0" eaLnBrk="1" latinLnBrk="0" hangingPunct="1">
+        <a:defRPr sz="1800" kern="1200">
+          <a:solidFill>
+            <a:schemeClr val="tx1"/>
+          </a:solidFill>
+          <a:latin typeface="+mn-lt"/>
+          <a:ea typeface="+mn-ea"/>
+          <a:cs typeface="+mn-cs"/>
+        </a:defRPr>
+      </a:lvl2pPr>
+      <a:lvl3pPr marL="914400" algn="l" defTabSz="914400" rtl="0" eaLnBrk="1" latinLnBrk="0" hangingPunct="1">
+        <a:defRPr sz="1800" kern="1200">
+          <a:solidFill>
+            <a:schemeClr val="tx1"/>
+          </a:solidFill>
+          <a:latin typeface="+mn-lt"/>
+          <a:ea typeface="+mn-ea"/>
+          <a:cs typeface="+mn-cs"/>
+        </a:defRPr>
+      </a:lvl3pPr>
+      <a:lvl4pPr marL="1371600" algn="l" defTabSz="914400" rtl="0" eaLnBrk="1" latinLnBrk="0" hangingPunct="1">
+        <a:defRPr sz="1800" kern="1200">
+          <a:solidFill>
+            <a:schemeClr val="tx1"/>
+          </a:solidFill>
+          <a:latin typeface="+mn-lt"/>
+          <a:ea typeface="+mn-ea"/>
+          <a:cs typeface="+mn-cs"/>
+        </a:defRPr>
+      </a:lvl4pPr>
+      <a:lvl5pPr marL="1828800" algn="l" defTabSz="914400" rtl="0" eaLnBrk="1" latinLnBrk="0" hangingPunct="1">
+        <a:defRPr sz="1800" kern="1200">
+          <a:solidFill>
+            <a:schemeClr val="tx1"/>
+          </a:solidFill>
+          <a:latin typeface="+mn-lt"/>
+          <a:ea typeface="+mn-ea"/>
+          <a:cs typeface="+mn-cs"/>
+        </a:defRPr>
+      </a:lvl5pPr>
+      <a:lvl6pPr marL="2286000" algn="l" defTabSz="914400" rtl="0" eaLnBrk="1" latinLnBrk="0" hangingPunct="1">
+        <a:defRPr sz="1800" kern="1200">
+          <a:solidFill>
+            <a:schemeClr val="tx1"/>
+          </a:solidFill>
+          <a:latin typeface="+mn-lt"/>
+          <a:ea typeface="+mn-ea"/>
+          <a:cs typeface="+mn-cs"/>
+        </a:defRPr>
+      </a:lvl6pPr>
+      <a:lvl7pPr marL="2743200" algn="l" defTabSz="914400" rtl="0" eaLnBrk="1" latinLnBrk="0" hangingPunct="1">
+        <a:defRPr sz="1800" kern="1200">
+          <a:solidFill>
+            <a:schemeClr val="tx1"/>
+          </a:solidFill>
+          <a:latin typeface="+mn-lt"/>
+          <a:ea typeface="+mn-ea"/>
+          <a:cs typeface="+mn-cs"/>
+        </a:defRPr>
+      </a:lvl7pPr>
+      <a:lvl8pPr marL="3200400" algn="l" defTabSz="914400" rtl="0" eaLnBrk="1" latinLnBrk="0" hangingPunct="1">
+        <a:defRPr sz="1800" kern="1200">
+          <a:solidFill>
+            <a:schemeClr val="tx1"/>
+          </a:solidFill>
+          <a:latin typeface="+mn-lt"/>
+          <a:ea typeface="+mn-ea"/>
+          <a:cs typeface="+mn-cs"/>
+        </a:defRPr>
+      </a:lvl8pPr>
+      <a:lvl9pPr marL="3657600" algn="l" defTabSz="914400" rtl="0" eaLnBrk="1" latinLnBrk="0" hangingPunct="1">
+        <a:defRPr sz="1800" kern="1200">
+          <a:solidFill>
+            <a:schemeClr val="tx1"/>
+          </a:solidFill>
+          <a:latin typeface="+mn-lt"/>
+          <a:ea typeface="+mn-ea"/>
+          <a:cs typeface="+mn-cs"/>
+        </a:defRPr>
+      </a:lvl9pPr>
+    </p:otherStyle>
+  </p:txStyles>
+</p:sldMaster>
+</file>
+
+<file path=ppt/slideMasters/slideMaster45250.xml><?xml version="1.0" encoding="utf-8"?>
+<p:sldMaster xmlns:a="http://schemas.openxmlformats.org/drawingml/2006/main" xmlns:r="http://schemas.openxmlformats.org/officeDocument/2006/relationships" xmlns:p="http://schemas.openxmlformats.org/presentationml/2006/main">
+  <p:cSld>
+    <p:bg>
+      <p:bgPr>
+        <a:blipFill dpi="0" rotWithShape="0">
+          <a:blip r:embed="rId13"/>
+          <a:srcRect/>
+          <a:stretch>
+            <a:fillRect/>
+          </a:stretch>
+        </a:blipFill>
+        <a:effectLst/>
+      </p:bgPr>
+    </p:bg>
+    <p:spTree>
+      <p:nvGrpSpPr>
+        <p:cNvPr id="1" name=""/>
+        <p:cNvGrpSpPr/>
+        <p:nvPr/>
+      </p:nvGrpSpPr>
+      <p:grpSpPr>
+        <a:xfrm>
+          <a:off x="0" y="0"/>
+          <a:ext cx="0" cy="0"/>
+          <a:chOff x="0" y="0"/>
+          <a:chExt cx="0" cy="0"/>
+        </a:xfrm>
+      </p:grpSpPr>
+      <p:sp>
+        <p:nvSpPr>
+          <p:cNvPr id="367618" name="Rectangle 2"/>
+          <p:cNvSpPr>
+            <a:spLocks noGrp="1" noChangeArrowheads="1"/>
+          </p:cNvSpPr>
+          <p:nvPr>
+            <p:ph type="title"/>
+          </p:nvPr>
+        </p:nvSpPr>
+        <p:spPr bwMode="auto">
+          <a:xfrm>
+            <a:off x="685800" y="152400"/>
+            <a:ext cx="7924800" cy="1066800"/>
+          </a:xfrm>
+          <a:prstGeom prst="rect">
+            <a:avLst/>
+          </a:prstGeom>
+          <a:noFill/>
+          <a:ln w="9525">
+            <a:noFill/>
+            <a:miter lim="800000"/>
+            <a:headEnd/>
+            <a:tailEnd/>
+          </a:ln>
+        </p:spPr>
+        <p:txBody>
+          <a:bodyPr vert="horz" wrap="square" lIns="91440" tIns="45720" rIns="91440" bIns="45720" numCol="1" anchor="ctr" anchorCtr="0" compatLnSpc="1">
+            <a:prstTxWarp prst="textNoShape">
+              <a:avLst/>
+            </a:prstTxWarp>
+          </a:bodyPr>
+          <a:lstStyle/>
+          <a:p>
+            <a:pPr lvl="0"/>
+            <a:r>
+              <a:rPr lang="en-US"/>
+              <a:t>Click to edit title style</a:t>
+            </a:r>
+          </a:p>
+        </p:txBody>
+      </p:sp>
+      <p:sp>
+        <p:nvSpPr>
+          <p:cNvPr id="367619" name="Rectangle 3"/>
+          <p:cNvSpPr>
+            <a:spLocks noGrp="1" noChangeArrowheads="1"/>
+          </p:cNvSpPr>
+          <p:nvPr>
+            <p:ph type="body" idx="1"/>
+          </p:nvPr>
+        </p:nvSpPr>
+        <p:spPr bwMode="auto">
+          <a:xfrm>
+            <a:off x="685800" y="1447800"/>
+            <a:ext cx="7924800" cy="4572000"/>
+          </a:xfrm>
+          <a:prstGeom prst="rect">
+            <a:avLst/>
+          </a:prstGeom>
+          <a:noFill/>
+          <a:ln w="9525">
+            <a:noFill/>
+            <a:miter lim="800000"/>
+            <a:headEnd/>
+            <a:tailEnd/>
+          </a:ln>
+        </p:spPr>
+        <p:txBody>
+          <a:bodyPr vert="horz" wrap="square" lIns="91440" tIns="45720" rIns="91440" bIns="45720" numCol="1" anchor="t" anchorCtr="0" compatLnSpc="1">
+            <a:prstTxWarp prst="textNoShape">
+              <a:avLst/>
+            </a:prstTxWarp>
+          </a:bodyPr>
+          <a:lstStyle/>
+          <a:p>
+            <a:pPr lvl="0"/>
+            <a:r>
+              <a:rPr lang="en-US"/>
+              <a:t>Click to edit Master text styles</a:t>
+            </a:r>
+          </a:p>
+          <a:p>
+            <a:pPr lvl="1"/>
+            <a:r>
+              <a:rPr lang="en-US"/>
+              <a:t>Second level</a:t>
+            </a:r>
+          </a:p>
+          <a:p>
+            <a:pPr lvl="2"/>
+            <a:r>
+              <a:rPr lang="en-US"/>
+              <a:t>Third level</a:t>
+            </a:r>
+          </a:p>
+          <a:p>
+            <a:pPr lvl="3"/>
+            <a:r>
+              <a:rPr lang="en-US"/>
+              <a:t>Fourth level</a:t>
+            </a:r>
+          </a:p>
+          <a:p>
+            <a:pPr lvl="4"/>
+            <a:r>
+              <a:rPr lang="en-US"/>
+              <a:t>Fifth level</a:t>
+            </a:r>
+          </a:p>
+        </p:txBody>
+      </p:sp>
+      <p:sp>
+        <p:nvSpPr>
+          <p:cNvPr id="367620" name="Rectangle 4"/>
+          <p:cNvSpPr>
+            <a:spLocks noGrp="1" noChangeArrowheads="1"/>
+          </p:cNvSpPr>
+          <p:nvPr>
+            <p:ph type="dt" sz="half" idx="2"/>
+          </p:nvPr>
+        </p:nvSpPr>
+        <p:spPr bwMode="auto">
+          <a:xfrm>
+            <a:off x="685800" y="6172200"/>
+            <a:ext cx="1549400" cy="457200"/>
+          </a:xfrm>
+          <a:prstGeom prst="rect">
+            <a:avLst/>
+          </a:prstGeom>
+          <a:noFill/>
+          <a:ln w="9525">
+            <a:noFill/>
+            <a:miter lim="800000"/>
+            <a:headEnd/>
+            <a:tailEnd/>
+          </a:ln>
+        </p:spPr>
+        <p:txBody>
+          <a:bodyPr vert="horz" wrap="square" lIns="91440" tIns="45720" rIns="91440" bIns="45720" numCol="1" anchor="t" anchorCtr="0" compatLnSpc="1">
+            <a:prstTxWarp prst="textNoShape">
+              <a:avLst/>
+            </a:prstTxWarp>
+          </a:bodyPr>
+          <a:lstStyle>
+            <a:lvl1pPr>
+              <a:spcBef>
+                <a:spcPct val="50000"/>
+              </a:spcBef>
+              <a:defRPr sz="1400" smtClean="0">
+                <a:latin typeface="+mn-lt"/>
+              </a:defRPr>
+            </a:lvl1pPr>
+          </a:lstStyle>
+          <a:p>
+            <a:fld id="{F73F0BFC-2C88-4AAF-B42F-33B416312C7A}" type="datetimeFigureOut">
+              <a:rPr lang="en-US" smtClean="0"/>
+              <a:t>2/27/19</a:t>
+            </a:fld>
+            <a:endParaRPr lang="en-US"/>
+          </a:p>
+        </p:txBody>
+      </p:sp>
+      <p:sp>
+        <p:nvSpPr>
+          <p:cNvPr id="367621" name="Rectangle 5"/>
+          <p:cNvSpPr>
+            <a:spLocks noGrp="1" noChangeArrowheads="1"/>
+          </p:cNvSpPr>
+          <p:nvPr>
+            <p:ph type="ftr" sz="quarter" idx="3"/>
+          </p:nvPr>
+        </p:nvSpPr>
+        <p:spPr bwMode="auto">
+          <a:xfrm>
+            <a:off x="2438400" y="6172200"/>
+            <a:ext cx="4089400" cy="457200"/>
+          </a:xfrm>
+          <a:prstGeom prst="rect">
+            <a:avLst/>
+          </a:prstGeom>
+          <a:noFill/>
+          <a:ln w="9525">
+            <a:noFill/>
+            <a:miter lim="800000"/>
+            <a:headEnd/>
+            <a:tailEnd/>
+          </a:ln>
+        </p:spPr>
+        <p:txBody>
+          <a:bodyPr vert="horz" wrap="square" lIns="91440" tIns="45720" rIns="91440" bIns="45720" numCol="1" anchor="t" anchorCtr="0" compatLnSpc="1">
+            <a:prstTxWarp prst="textNoShape">
+              <a:avLst/>
+            </a:prstTxWarp>
+          </a:bodyPr>
+          <a:lstStyle>
+            <a:lvl1pPr algn="ctr">
+              <a:spcBef>
+                <a:spcPct val="50000"/>
+              </a:spcBef>
+              <a:defRPr sz="1400" smtClean="0">
+                <a:latin typeface="+mn-lt"/>
+              </a:defRPr>
+            </a:lvl1pPr>
+          </a:lstStyle>
+          <a:p>
+            <a:endParaRPr lang="en-US"/>
+          </a:p>
+        </p:txBody>
+      </p:sp>
+      <p:sp>
+        <p:nvSpPr>
+          <p:cNvPr id="367622" name="Rectangle 6"/>
+          <p:cNvSpPr>
+            <a:spLocks noGrp="1" noChangeArrowheads="1"/>
+          </p:cNvSpPr>
+          <p:nvPr>
+            <p:ph type="sldNum" sz="quarter" idx="4"/>
+          </p:nvPr>
+        </p:nvSpPr>
+        <p:spPr bwMode="auto">
+          <a:xfrm>
+            <a:off x="6705600" y="6172200"/>
+            <a:ext cx="1905000" cy="457200"/>
+          </a:xfrm>
+          <a:prstGeom prst="rect">
+            <a:avLst/>
+          </a:prstGeom>
+          <a:noFill/>
+          <a:ln w="9525">
+            <a:noFill/>
+            <a:miter lim="800000"/>
+            <a:headEnd/>
+            <a:tailEnd/>
+          </a:ln>
+        </p:spPr>
+        <p:txBody>
+          <a:bodyPr vert="horz" wrap="square" lIns="91440" tIns="45720" rIns="91440" bIns="45720" numCol="1" anchor="t" anchorCtr="0" compatLnSpc="1">
+            <a:prstTxWarp prst="textNoShape">
+              <a:avLst/>
+            </a:prstTxWarp>
+          </a:bodyPr>
+          <a:lstStyle>
+            <a:lvl1pPr algn="r">
+              <a:spcBef>
+                <a:spcPct val="50000"/>
+              </a:spcBef>
+              <a:defRPr sz="1400" smtClean="0">
+                <a:latin typeface="+mn-lt"/>
+              </a:defRPr>
+            </a:lvl1pPr>
+          </a:lstStyle>
+          <a:p>
+            <a:fld id="{E6FB1B62-A5F7-43C1-BF55-5D6EB0E052F4}" type="slidenum">
+              <a:rPr lang="en-US" smtClean="0"/>
+              <a:t>‹#›</a:t>
+            </a:fld>
+            <a:endParaRPr lang="en-US"/>
+          </a:p>
+        </p:txBody>
+      </p:sp>
+    </p:spTree>
+  </p:cSld>
+  <p:clrMap bg1="dk2" tx1="lt1" bg2="dk1" tx2="lt2" accent1="accent1" accent2="accent2" accent3="accent3" accent4="accent4" accent5="accent5" accent6="accent6" hlink="hlink" folHlink="folHlink"/>
+  <p:sldLayoutIdLst>
+    <p:sldLayoutId id="2147483685" r:id="rId1"/>
+    <p:sldLayoutId id="2147483686" r:id="rId2"/>
+    <p:sldLayoutId id="2147483687" r:id="rId3"/>
+    <p:sldLayoutId id="2147483688" r:id="rId4"/>
+    <p:sldLayoutId id="2147483689" r:id="rId5"/>
+    <p:sldLayoutId id="2147483690" r:id="rId6"/>
+    <p:sldLayoutId id="2147483691" r:id="rId7"/>
+    <p:sldLayoutId id="2147483692" r:id="rId8"/>
+    <p:sldLayoutId id="2147483693" r:id="rId9"/>
+    <p:sldLayoutId id="2147483694" r:id="rId10"/>
+    <p:sldLayoutId id="2147483695" r:id="rId11"/>
+    <p:sldLayoutId id="45250" r:id="rId452502"/>
   </p:sldLayoutIdLst>
   <p:txStyles>
     <p:titleStyle>
@@ -3750,7 +4536,7 @@
 </p:sld>
 </file>
 
-<file path=ppt/slides/slide27995.xml><?xml version="1.0" encoding="utf-8"?>
+<file path=ppt/slides/slide45250.xml><?xml version="1.0" encoding="utf-8"?>
 <p:sld xmlns:a="http://schemas.openxmlformats.org/drawingml/2006/main" xmlns:r="http://schemas.openxmlformats.org/officeDocument/2006/relationships" xmlns:p="http://schemas.openxmlformats.org/presentationml/2006/main">
   <p:cSld>
     <p:spTree>
@@ -3774,7 +4560,7 @@
             <a:spLocks noGrp="1"/>
           </p:cNvSpPr>
           <p:nvPr>
-            <p:ph type="ctrTitle"/>
+            <p:ph type="title"/>
           </p:nvPr>
         </p:nvSpPr>
         <p:spPr/>
@@ -3784,19 +4570,24 @@
           <a:p>
             <a:r>
               <a:rPr lang="en-US" dirty="0"/>
-              <a:t>Sample PowerPoint File</a:t>
-            </a:r>
-          </a:p>
-        </p:txBody>
-      </p:sp>
-      <p:sp>
-        <p:nvSpPr>
-          <p:cNvPr id="3" name="Subtitle 2"/>
+              <a:t>This is a</a:t>
+            </a:r>
+            <a:r>
+              <a:rPr lang="en-US" baseline="0" dirty="0"/>
+              <a:t> Sample Slide</a:t>
+            </a:r>
+            <a:endParaRPr lang="en-US" dirty="0"/>
+          </a:p>
+        </p:txBody>
+      </p:sp>
+      <p:sp>
+        <p:nvSpPr>
+          <p:cNvPr id="3" name="Content Placeholder 2"/>
           <p:cNvSpPr>
             <a:spLocks noGrp="1"/>
           </p:cNvSpPr>
           <p:nvPr>
-            <p:ph type="subTitle" idx="1"/>
+            <p:ph idx="1"/>
           </p:nvPr>
         </p:nvSpPr>
         <p:spPr/>
@@ -3806,51 +4597,47 @@
           <a:p>
             <a:r>
               <a:rPr lang="en-US" dirty="0"/>
-              <a:t>St.</a:t>
+              <a:t>Here is</a:t>
             </a:r>
             <a:r>
               <a:rPr lang="en-US" baseline="0" dirty="0"/>
-              <a:t> Cloud Technical College</a:t>
-            </a:r>
-          </a:p>
-        </p:txBody>
-      </p:sp>
-      <p:pic>
-        <p:nvPicPr>
-          <p:cNvPr id="5" name="Picture 4">
-            <a:extLst>
-              <a:ext uri="{FF2B5EF4-FFF2-40B4-BE49-F238E27FC236}">
-                <a16:creationId xmlns:a16="http://schemas.microsoft.com/office/drawing/2014/main" id="{BE7B72D9-437D-BB49-B8A6-B716880EAB93}"/>
-              </a:ext>
-            </a:extLst>
-          </p:cNvPr>
-          <p:cNvPicPr>
-            <a:picLocks noChangeAspect="1"/>
-          </p:cNvPicPr>
-          <p:nvPr/>
-        </p:nvPicPr>
-        <p:blipFill>
-          <a:blip r:embed="rId2">
-            <a:extLst>
-              <a:ext uri="{28A0092B-C50C-407E-A947-70E740481C1C}">
-                <a14:useLocalDpi xmlns:a14="http://schemas.microsoft.com/office/drawing/2010/main" val="0"/>
-              </a:ext>
-            </a:extLst>
-          </a:blip>
-          <a:stretch>
-            <a:fillRect/>
-          </a:stretch>
-        </p:blipFill>
-        <p:spPr>
-          <a:xfrm>
-            <a:off x="2895600" y="838200"/>
-            <a:ext cx="2571750" cy="3429000"/>
-          </a:xfrm>
-          <a:prstGeom prst="rect">
-            <a:avLst/>
-          </a:prstGeom>
-        </p:spPr>
-      </p:pic>
+              <a:t> an outline of bulleted points</a:t>
+            </a:r>
+          </a:p>
+          <a:p>
+            <a:r>
+              <a:rPr lang="en-US" baseline="0" dirty="0"/>
+              <a:t>You can print out PPT files as handouts using </a:t>
+            </a:r>
+            <a:r>
+              <a:rPr lang="en-US" baseline="0"/>
+              <a:t>the </a:t>
+            </a:r>
+            <a:r>
+              <a:rPr lang="en-US" baseline="0"/>
+              <a:t>PRINT &gt; </a:t>
+            </a:r>
+            <a:r>
+              <a:rPr lang="en-US" baseline="0"/>
+              <a:t>  PRINT </a:t>
+            </a:r>
+            <a:r>
+              <a:rPr lang="en-US" baseline="0" dirty="0"/>
+              <a:t>WHAT &gt; HANDOUTS</a:t>
+            </a:r>
+            <a:r>
+              <a:rPr lang="en-US" dirty="0"/>
+              <a:t> option</a:t>
+            </a:r>
+            <a:br>
+              <a:rPr lang="en-US" baseline="0"/>
+            </a:br>
+            <a:br>
+              <a:rPr lang="en-US" baseline="0"/>
+            </a:br>
+          </a:p>
+        </p:txBody>
+      </p:sp>
     </p:spTree>
   </p:cSld>
   <p:clrMapOvr>
